--- a/Slides/AML-Labs.pptx
+++ b/Slides/AML-Labs.pptx
@@ -169,10 +169,9 @@
           <a:lstStyle/>
           <a:p>
             <a:r>
-              <a:rPr lang="en-US" smtClean="0"/>
+              <a:rPr lang="en-US"/>
               <a:t>Fare clic per modificare stile</a:t>
             </a:r>
-            <a:endParaRPr lang="en-US"/>
           </a:p>
         </p:txBody>
       </p:sp>
@@ -288,10 +287,9 @@
           </a:lstStyle>
           <a:p>
             <a:r>
-              <a:rPr lang="en-US" smtClean="0"/>
+              <a:rPr lang="en-US"/>
               <a:t>Fare clic per modificare lo stile del sottotitolo dello schema</a:t>
             </a:r>
-            <a:endParaRPr lang="en-US"/>
           </a:p>
         </p:txBody>
       </p:sp>
@@ -312,7 +310,7 @@
           <a:p>
             <a:fld id="{5F140A79-2948-A541-99FD-ED904A5E0DF6}" type="datetimeFigureOut">
               <a:rPr lang="it-IT" smtClean="0"/>
-              <a:t>08/03/17</a:t>
+              <a:t>05/03/18</a:t>
             </a:fld>
             <a:endParaRPr lang="en-US"/>
           </a:p>
@@ -406,10 +404,9 @@
           <a:lstStyle/>
           <a:p>
             <a:r>
-              <a:rPr lang="en-US" smtClean="0"/>
+              <a:rPr lang="en-US"/>
               <a:t>Fare clic per modificare stile</a:t>
             </a:r>
-            <a:endParaRPr lang="en-US"/>
           </a:p>
         </p:txBody>
       </p:sp>
@@ -430,38 +427,37 @@
           <a:p>
             <a:pPr lvl="0"/>
             <a:r>
-              <a:rPr lang="en-US" smtClean="0"/>
+              <a:rPr lang="en-US"/>
               <a:t>Fare clic per modificare gli stili del testo dello schema</a:t>
             </a:r>
           </a:p>
           <a:p>
             <a:pPr lvl="1"/>
             <a:r>
-              <a:rPr lang="en-US" smtClean="0"/>
+              <a:rPr lang="en-US"/>
               <a:t>Secondo livello</a:t>
             </a:r>
           </a:p>
           <a:p>
             <a:pPr lvl="2"/>
             <a:r>
-              <a:rPr lang="en-US" smtClean="0"/>
+              <a:rPr lang="en-US"/>
               <a:t>Terzo livello</a:t>
             </a:r>
           </a:p>
           <a:p>
             <a:pPr lvl="3"/>
             <a:r>
-              <a:rPr lang="en-US" smtClean="0"/>
+              <a:rPr lang="en-US"/>
               <a:t>Quarto livello</a:t>
             </a:r>
           </a:p>
           <a:p>
             <a:pPr lvl="4"/>
             <a:r>
-              <a:rPr lang="en-US" smtClean="0"/>
+              <a:rPr lang="en-US"/>
               <a:t>Quinto livello</a:t>
             </a:r>
-            <a:endParaRPr lang="en-US"/>
           </a:p>
         </p:txBody>
       </p:sp>
@@ -482,7 +478,7 @@
           <a:p>
             <a:fld id="{5F140A79-2948-A541-99FD-ED904A5E0DF6}" type="datetimeFigureOut">
               <a:rPr lang="it-IT" smtClean="0"/>
-              <a:t>08/03/17</a:t>
+              <a:t>05/03/18</a:t>
             </a:fld>
             <a:endParaRPr lang="en-US"/>
           </a:p>
@@ -581,10 +577,9 @@
           <a:lstStyle/>
           <a:p>
             <a:r>
-              <a:rPr lang="en-US" smtClean="0"/>
+              <a:rPr lang="en-US"/>
               <a:t>Fare clic per modificare stile</a:t>
             </a:r>
-            <a:endParaRPr lang="en-US"/>
           </a:p>
         </p:txBody>
       </p:sp>
@@ -610,38 +605,37 @@
           <a:p>
             <a:pPr lvl="0"/>
             <a:r>
-              <a:rPr lang="en-US" smtClean="0"/>
+              <a:rPr lang="en-US"/>
               <a:t>Fare clic per modificare gli stili del testo dello schema</a:t>
             </a:r>
           </a:p>
           <a:p>
             <a:pPr lvl="1"/>
             <a:r>
-              <a:rPr lang="en-US" smtClean="0"/>
+              <a:rPr lang="en-US"/>
               <a:t>Secondo livello</a:t>
             </a:r>
           </a:p>
           <a:p>
             <a:pPr lvl="2"/>
             <a:r>
-              <a:rPr lang="en-US" smtClean="0"/>
+              <a:rPr lang="en-US"/>
               <a:t>Terzo livello</a:t>
             </a:r>
           </a:p>
           <a:p>
             <a:pPr lvl="3"/>
             <a:r>
-              <a:rPr lang="en-US" smtClean="0"/>
+              <a:rPr lang="en-US"/>
               <a:t>Quarto livello</a:t>
             </a:r>
           </a:p>
           <a:p>
             <a:pPr lvl="4"/>
             <a:r>
-              <a:rPr lang="en-US" smtClean="0"/>
+              <a:rPr lang="en-US"/>
               <a:t>Quinto livello</a:t>
             </a:r>
-            <a:endParaRPr lang="en-US"/>
           </a:p>
         </p:txBody>
       </p:sp>
@@ -662,7 +656,7 @@
           <a:p>
             <a:fld id="{5F140A79-2948-A541-99FD-ED904A5E0DF6}" type="datetimeFigureOut">
               <a:rPr lang="it-IT" smtClean="0"/>
-              <a:t>08/03/17</a:t>
+              <a:t>05/03/18</a:t>
             </a:fld>
             <a:endParaRPr lang="en-US"/>
           </a:p>
@@ -756,10 +750,9 @@
           <a:lstStyle/>
           <a:p>
             <a:r>
-              <a:rPr lang="en-US" smtClean="0"/>
+              <a:rPr lang="en-US"/>
               <a:t>Fare clic per modificare stile</a:t>
             </a:r>
-            <a:endParaRPr lang="en-US"/>
           </a:p>
         </p:txBody>
       </p:sp>
@@ -780,38 +773,37 @@
           <a:p>
             <a:pPr lvl="0"/>
             <a:r>
-              <a:rPr lang="en-US" smtClean="0"/>
+              <a:rPr lang="en-US"/>
               <a:t>Fare clic per modificare gli stili del testo dello schema</a:t>
             </a:r>
           </a:p>
           <a:p>
             <a:pPr lvl="1"/>
             <a:r>
-              <a:rPr lang="en-US" smtClean="0"/>
+              <a:rPr lang="en-US"/>
               <a:t>Secondo livello</a:t>
             </a:r>
           </a:p>
           <a:p>
             <a:pPr lvl="2"/>
             <a:r>
-              <a:rPr lang="en-US" smtClean="0"/>
+              <a:rPr lang="en-US"/>
               <a:t>Terzo livello</a:t>
             </a:r>
           </a:p>
           <a:p>
             <a:pPr lvl="3"/>
             <a:r>
-              <a:rPr lang="en-US" smtClean="0"/>
+              <a:rPr lang="en-US"/>
               <a:t>Quarto livello</a:t>
             </a:r>
           </a:p>
           <a:p>
             <a:pPr lvl="4"/>
             <a:r>
-              <a:rPr lang="en-US" smtClean="0"/>
+              <a:rPr lang="en-US"/>
               <a:t>Quinto livello</a:t>
             </a:r>
-            <a:endParaRPr lang="en-US"/>
           </a:p>
         </p:txBody>
       </p:sp>
@@ -832,7 +824,7 @@
           <a:p>
             <a:fld id="{5F140A79-2948-A541-99FD-ED904A5E0DF6}" type="datetimeFigureOut">
               <a:rPr lang="it-IT" smtClean="0"/>
-              <a:t>08/03/17</a:t>
+              <a:t>05/03/18</a:t>
             </a:fld>
             <a:endParaRPr lang="en-US"/>
           </a:p>
@@ -935,10 +927,9 @@
           </a:lstStyle>
           <a:p>
             <a:r>
-              <a:rPr lang="en-US" smtClean="0"/>
+              <a:rPr lang="en-US"/>
               <a:t>Fare clic per modificare stile</a:t>
             </a:r>
-            <a:endParaRPr lang="en-US"/>
           </a:p>
         </p:txBody>
       </p:sp>
@@ -1055,7 +1046,7 @@
           <a:p>
             <a:pPr lvl="0"/>
             <a:r>
-              <a:rPr lang="en-US" smtClean="0"/>
+              <a:rPr lang="en-US"/>
               <a:t>Fare clic per modificare gli stili del testo dello schema</a:t>
             </a:r>
           </a:p>
@@ -1078,7 +1069,7 @@
           <a:p>
             <a:fld id="{5F140A79-2948-A541-99FD-ED904A5E0DF6}" type="datetimeFigureOut">
               <a:rPr lang="it-IT" smtClean="0"/>
-              <a:t>08/03/17</a:t>
+              <a:t>05/03/18</a:t>
             </a:fld>
             <a:endParaRPr lang="en-US"/>
           </a:p>
@@ -1172,10 +1163,9 @@
           <a:lstStyle/>
           <a:p>
             <a:r>
-              <a:rPr lang="en-US" smtClean="0"/>
+              <a:rPr lang="en-US"/>
               <a:t>Fare clic per modificare stile</a:t>
             </a:r>
-            <a:endParaRPr lang="en-US"/>
           </a:p>
         </p:txBody>
       </p:sp>
@@ -1229,38 +1219,37 @@
           <a:p>
             <a:pPr lvl="0"/>
             <a:r>
-              <a:rPr lang="en-US" smtClean="0"/>
+              <a:rPr lang="en-US"/>
               <a:t>Fare clic per modificare gli stili del testo dello schema</a:t>
             </a:r>
           </a:p>
           <a:p>
             <a:pPr lvl="1"/>
             <a:r>
-              <a:rPr lang="en-US" smtClean="0"/>
+              <a:rPr lang="en-US"/>
               <a:t>Secondo livello</a:t>
             </a:r>
           </a:p>
           <a:p>
             <a:pPr lvl="2"/>
             <a:r>
-              <a:rPr lang="en-US" smtClean="0"/>
+              <a:rPr lang="en-US"/>
               <a:t>Terzo livello</a:t>
             </a:r>
           </a:p>
           <a:p>
             <a:pPr lvl="3"/>
             <a:r>
-              <a:rPr lang="en-US" smtClean="0"/>
+              <a:rPr lang="en-US"/>
               <a:t>Quarto livello</a:t>
             </a:r>
           </a:p>
           <a:p>
             <a:pPr lvl="4"/>
             <a:r>
-              <a:rPr lang="en-US" smtClean="0"/>
+              <a:rPr lang="en-US"/>
               <a:t>Quinto livello</a:t>
             </a:r>
-            <a:endParaRPr lang="en-US"/>
           </a:p>
         </p:txBody>
       </p:sp>
@@ -1314,38 +1303,37 @@
           <a:p>
             <a:pPr lvl="0"/>
             <a:r>
-              <a:rPr lang="en-US" smtClean="0"/>
+              <a:rPr lang="en-US"/>
               <a:t>Fare clic per modificare gli stili del testo dello schema</a:t>
             </a:r>
           </a:p>
           <a:p>
             <a:pPr lvl="1"/>
             <a:r>
-              <a:rPr lang="en-US" smtClean="0"/>
+              <a:rPr lang="en-US"/>
               <a:t>Secondo livello</a:t>
             </a:r>
           </a:p>
           <a:p>
             <a:pPr lvl="2"/>
             <a:r>
-              <a:rPr lang="en-US" smtClean="0"/>
+              <a:rPr lang="en-US"/>
               <a:t>Terzo livello</a:t>
             </a:r>
           </a:p>
           <a:p>
             <a:pPr lvl="3"/>
             <a:r>
-              <a:rPr lang="en-US" smtClean="0"/>
+              <a:rPr lang="en-US"/>
               <a:t>Quarto livello</a:t>
             </a:r>
           </a:p>
           <a:p>
             <a:pPr lvl="4"/>
             <a:r>
-              <a:rPr lang="en-US" smtClean="0"/>
+              <a:rPr lang="en-US"/>
               <a:t>Quinto livello</a:t>
             </a:r>
-            <a:endParaRPr lang="en-US"/>
           </a:p>
         </p:txBody>
       </p:sp>
@@ -1366,7 +1354,7 @@
           <a:p>
             <a:fld id="{5F140A79-2948-A541-99FD-ED904A5E0DF6}" type="datetimeFigureOut">
               <a:rPr lang="it-IT" smtClean="0"/>
-              <a:t>08/03/17</a:t>
+              <a:t>05/03/18</a:t>
             </a:fld>
             <a:endParaRPr lang="en-US"/>
           </a:p>
@@ -1464,10 +1452,9 @@
           </a:lstStyle>
           <a:p>
             <a:r>
-              <a:rPr lang="en-US" smtClean="0"/>
+              <a:rPr lang="en-US"/>
               <a:t>Fare clic per modificare stile</a:t>
             </a:r>
-            <a:endParaRPr lang="en-US"/>
           </a:p>
         </p:txBody>
       </p:sp>
@@ -1530,7 +1517,7 @@
           <a:p>
             <a:pPr lvl="0"/>
             <a:r>
-              <a:rPr lang="en-US" smtClean="0"/>
+              <a:rPr lang="en-US"/>
               <a:t>Fare clic per modificare gli stili del testo dello schema</a:t>
             </a:r>
           </a:p>
@@ -1586,38 +1573,37 @@
           <a:p>
             <a:pPr lvl="0"/>
             <a:r>
-              <a:rPr lang="en-US" smtClean="0"/>
+              <a:rPr lang="en-US"/>
               <a:t>Fare clic per modificare gli stili del testo dello schema</a:t>
             </a:r>
           </a:p>
           <a:p>
             <a:pPr lvl="1"/>
             <a:r>
-              <a:rPr lang="en-US" smtClean="0"/>
+              <a:rPr lang="en-US"/>
               <a:t>Secondo livello</a:t>
             </a:r>
           </a:p>
           <a:p>
             <a:pPr lvl="2"/>
             <a:r>
-              <a:rPr lang="en-US" smtClean="0"/>
+              <a:rPr lang="en-US"/>
               <a:t>Terzo livello</a:t>
             </a:r>
           </a:p>
           <a:p>
             <a:pPr lvl="3"/>
             <a:r>
-              <a:rPr lang="en-US" smtClean="0"/>
+              <a:rPr lang="en-US"/>
               <a:t>Quarto livello</a:t>
             </a:r>
           </a:p>
           <a:p>
             <a:pPr lvl="4"/>
             <a:r>
-              <a:rPr lang="en-US" smtClean="0"/>
+              <a:rPr lang="en-US"/>
               <a:t>Quinto livello</a:t>
             </a:r>
-            <a:endParaRPr lang="en-US"/>
           </a:p>
         </p:txBody>
       </p:sp>
@@ -1680,7 +1666,7 @@
           <a:p>
             <a:pPr lvl="0"/>
             <a:r>
-              <a:rPr lang="en-US" smtClean="0"/>
+              <a:rPr lang="en-US"/>
               <a:t>Fare clic per modificare gli stili del testo dello schema</a:t>
             </a:r>
           </a:p>
@@ -1736,38 +1722,37 @@
           <a:p>
             <a:pPr lvl="0"/>
             <a:r>
-              <a:rPr lang="en-US" smtClean="0"/>
+              <a:rPr lang="en-US"/>
               <a:t>Fare clic per modificare gli stili del testo dello schema</a:t>
             </a:r>
           </a:p>
           <a:p>
             <a:pPr lvl="1"/>
             <a:r>
-              <a:rPr lang="en-US" smtClean="0"/>
+              <a:rPr lang="en-US"/>
               <a:t>Secondo livello</a:t>
             </a:r>
           </a:p>
           <a:p>
             <a:pPr lvl="2"/>
             <a:r>
-              <a:rPr lang="en-US" smtClean="0"/>
+              <a:rPr lang="en-US"/>
               <a:t>Terzo livello</a:t>
             </a:r>
           </a:p>
           <a:p>
             <a:pPr lvl="3"/>
             <a:r>
-              <a:rPr lang="en-US" smtClean="0"/>
+              <a:rPr lang="en-US"/>
               <a:t>Quarto livello</a:t>
             </a:r>
           </a:p>
           <a:p>
             <a:pPr lvl="4"/>
             <a:r>
-              <a:rPr lang="en-US" smtClean="0"/>
+              <a:rPr lang="en-US"/>
               <a:t>Quinto livello</a:t>
             </a:r>
-            <a:endParaRPr lang="en-US"/>
           </a:p>
         </p:txBody>
       </p:sp>
@@ -1788,7 +1773,7 @@
           <a:p>
             <a:fld id="{5F140A79-2948-A541-99FD-ED904A5E0DF6}" type="datetimeFigureOut">
               <a:rPr lang="it-IT" smtClean="0"/>
-              <a:t>08/03/17</a:t>
+              <a:t>05/03/18</a:t>
             </a:fld>
             <a:endParaRPr lang="en-US"/>
           </a:p>
@@ -1882,10 +1867,9 @@
           <a:lstStyle/>
           <a:p>
             <a:r>
-              <a:rPr lang="en-US" smtClean="0"/>
+              <a:rPr lang="en-US"/>
               <a:t>Fare clic per modificare stile</a:t>
             </a:r>
-            <a:endParaRPr lang="en-US"/>
           </a:p>
         </p:txBody>
       </p:sp>
@@ -1906,7 +1890,7 @@
           <a:p>
             <a:fld id="{5F140A79-2948-A541-99FD-ED904A5E0DF6}" type="datetimeFigureOut">
               <a:rPr lang="it-IT" smtClean="0"/>
-              <a:t>08/03/17</a:t>
+              <a:t>05/03/18</a:t>
             </a:fld>
             <a:endParaRPr lang="en-US"/>
           </a:p>
@@ -2001,7 +1985,7 @@
           <a:p>
             <a:fld id="{5F140A79-2948-A541-99FD-ED904A5E0DF6}" type="datetimeFigureOut">
               <a:rPr lang="it-IT" smtClean="0"/>
-              <a:t>08/03/17</a:t>
+              <a:t>05/03/18</a:t>
             </a:fld>
             <a:endParaRPr lang="en-US"/>
           </a:p>
@@ -2104,10 +2088,9 @@
           </a:lstStyle>
           <a:p>
             <a:r>
-              <a:rPr lang="en-US" smtClean="0"/>
+              <a:rPr lang="en-US"/>
               <a:t>Fare clic per modificare stile</a:t>
             </a:r>
-            <a:endParaRPr lang="en-US"/>
           </a:p>
         </p:txBody>
       </p:sp>
@@ -2161,38 +2144,37 @@
           <a:p>
             <a:pPr lvl="0"/>
             <a:r>
-              <a:rPr lang="en-US" smtClean="0"/>
+              <a:rPr lang="en-US"/>
               <a:t>Fare clic per modificare gli stili del testo dello schema</a:t>
             </a:r>
           </a:p>
           <a:p>
             <a:pPr lvl="1"/>
             <a:r>
-              <a:rPr lang="en-US" smtClean="0"/>
+              <a:rPr lang="en-US"/>
               <a:t>Secondo livello</a:t>
             </a:r>
           </a:p>
           <a:p>
             <a:pPr lvl="2"/>
             <a:r>
-              <a:rPr lang="en-US" smtClean="0"/>
+              <a:rPr lang="en-US"/>
               <a:t>Terzo livello</a:t>
             </a:r>
           </a:p>
           <a:p>
             <a:pPr lvl="3"/>
             <a:r>
-              <a:rPr lang="en-US" smtClean="0"/>
+              <a:rPr lang="en-US"/>
               <a:t>Quarto livello</a:t>
             </a:r>
           </a:p>
           <a:p>
             <a:pPr lvl="4"/>
             <a:r>
-              <a:rPr lang="en-US" smtClean="0"/>
+              <a:rPr lang="en-US"/>
               <a:t>Quinto livello</a:t>
             </a:r>
-            <a:endParaRPr lang="en-US"/>
           </a:p>
         </p:txBody>
       </p:sp>
@@ -2255,7 +2237,7 @@
           <a:p>
             <a:pPr lvl="0"/>
             <a:r>
-              <a:rPr lang="en-US" smtClean="0"/>
+              <a:rPr lang="en-US"/>
               <a:t>Fare clic per modificare gli stili del testo dello schema</a:t>
             </a:r>
           </a:p>
@@ -2278,7 +2260,7 @@
           <a:p>
             <a:fld id="{5F140A79-2948-A541-99FD-ED904A5E0DF6}" type="datetimeFigureOut">
               <a:rPr lang="it-IT" smtClean="0"/>
-              <a:t>08/03/17</a:t>
+              <a:t>05/03/18</a:t>
             </a:fld>
             <a:endParaRPr lang="en-US"/>
           </a:p>
@@ -2381,10 +2363,9 @@
           </a:lstStyle>
           <a:p>
             <a:r>
-              <a:rPr lang="en-US" smtClean="0"/>
+              <a:rPr lang="en-US"/>
               <a:t>Fare clic per modificare stile</a:t>
             </a:r>
-            <a:endParaRPr lang="en-US"/>
           </a:p>
         </p:txBody>
       </p:sp>
@@ -2508,7 +2489,7 @@
           <a:p>
             <a:pPr lvl="0"/>
             <a:r>
-              <a:rPr lang="en-US" smtClean="0"/>
+              <a:rPr lang="en-US"/>
               <a:t>Fare clic per modificare gli stili del testo dello schema</a:t>
             </a:r>
           </a:p>
@@ -2531,7 +2512,7 @@
           <a:p>
             <a:fld id="{5F140A79-2948-A541-99FD-ED904A5E0DF6}" type="datetimeFigureOut">
               <a:rPr lang="it-IT" smtClean="0"/>
-              <a:t>08/03/17</a:t>
+              <a:t>05/03/18</a:t>
             </a:fld>
             <a:endParaRPr lang="en-US"/>
           </a:p>
@@ -2640,10 +2621,9 @@
           <a:lstStyle/>
           <a:p>
             <a:r>
-              <a:rPr lang="en-US" smtClean="0"/>
+              <a:rPr lang="en-US"/>
               <a:t>Fare clic per modificare stile</a:t>
             </a:r>
-            <a:endParaRPr lang="en-US"/>
           </a:p>
         </p:txBody>
       </p:sp>
@@ -2674,38 +2654,37 @@
           <a:p>
             <a:pPr lvl="0"/>
             <a:r>
-              <a:rPr lang="en-US" smtClean="0"/>
+              <a:rPr lang="en-US"/>
               <a:t>Fare clic per modificare gli stili del testo dello schema</a:t>
             </a:r>
           </a:p>
           <a:p>
             <a:pPr lvl="1"/>
             <a:r>
-              <a:rPr lang="en-US" smtClean="0"/>
+              <a:rPr lang="en-US"/>
               <a:t>Secondo livello</a:t>
             </a:r>
           </a:p>
           <a:p>
             <a:pPr lvl="2"/>
             <a:r>
-              <a:rPr lang="en-US" smtClean="0"/>
+              <a:rPr lang="en-US"/>
               <a:t>Terzo livello</a:t>
             </a:r>
           </a:p>
           <a:p>
             <a:pPr lvl="3"/>
             <a:r>
-              <a:rPr lang="en-US" smtClean="0"/>
+              <a:rPr lang="en-US"/>
               <a:t>Quarto livello</a:t>
             </a:r>
           </a:p>
           <a:p>
             <a:pPr lvl="4"/>
             <a:r>
-              <a:rPr lang="en-US" smtClean="0"/>
+              <a:rPr lang="en-US"/>
               <a:t>Quinto livello</a:t>
             </a:r>
-            <a:endParaRPr lang="en-US"/>
           </a:p>
         </p:txBody>
       </p:sp>
@@ -2744,7 +2723,7 @@
           <a:p>
             <a:fld id="{5F140A79-2948-A541-99FD-ED904A5E0DF6}" type="datetimeFigureOut">
               <a:rPr lang="it-IT" smtClean="0"/>
-              <a:t>08/03/17</a:t>
+              <a:t>05/03/18</a:t>
             </a:fld>
             <a:endParaRPr lang="en-US"/>
           </a:p>
@@ -3142,24 +3121,19 @@
           <a:lstStyle/>
           <a:p>
             <a:r>
-              <a:rPr lang="en-US" dirty="0" smtClean="0"/>
+              <a:rPr lang="en-US" dirty="0"/>
               <a:t>Algorithmic Machine Learning</a:t>
             </a:r>
             <a:br>
-              <a:rPr lang="en-US" dirty="0" smtClean="0"/>
+              <a:rPr lang="en-US" dirty="0"/>
             </a:br>
-            <a:r>
-              <a:rPr lang="en-US" dirty="0"/>
-              <a:t/>
-            </a:r>
             <a:br>
               <a:rPr lang="en-US" dirty="0"/>
             </a:br>
             <a:r>
-              <a:rPr lang="en-US" dirty="0" smtClean="0"/>
+              <a:rPr lang="en-US" dirty="0"/>
               <a:t>Guidelines to work in the LAB</a:t>
             </a:r>
-            <a:endParaRPr lang="en-US" dirty="0"/>
           </a:p>
         </p:txBody>
       </p:sp>
@@ -3179,24 +3153,23 @@
           <a:lstStyle/>
           <a:p>
             <a:r>
-              <a:rPr lang="en-US" dirty="0" smtClean="0"/>
+              <a:rPr lang="en-US" dirty="0"/>
               <a:t>Prof. </a:t>
             </a:r>
             <a:r>
-              <a:rPr lang="en-US" dirty="0" err="1" smtClean="0"/>
+              <a:rPr lang="en-US" dirty="0" err="1"/>
               <a:t>Pietro</a:t>
             </a:r>
             <a:r>
-              <a:rPr lang="en-US" dirty="0" smtClean="0"/>
+              <a:rPr lang="en-US" dirty="0"/>
               <a:t> Michiardi</a:t>
             </a:r>
           </a:p>
           <a:p>
             <a:r>
-              <a:rPr lang="en-US" dirty="0" smtClean="0"/>
+              <a:rPr lang="en-US" dirty="0"/>
               <a:t>Data Science Department</a:t>
             </a:r>
-            <a:endParaRPr lang="en-US" dirty="0"/>
           </a:p>
         </p:txBody>
       </p:sp>
@@ -3246,68 +3219,67 @@
           <a:lstStyle/>
           <a:p>
             <a:r>
-              <a:rPr lang="en-US" dirty="0" smtClean="0"/>
+              <a:rPr lang="en-US" dirty="0"/>
               <a:t>Register your group</a:t>
             </a:r>
+          </a:p>
+        </p:txBody>
+      </p:sp>
+      <p:sp>
+        <p:nvSpPr>
+          <p:cNvPr id="3" name="Segnaposto contenuto 2"/>
+          <p:cNvSpPr>
+            <a:spLocks noGrp="1"/>
+          </p:cNvSpPr>
+          <p:nvPr>
+            <p:ph idx="1"/>
+          </p:nvPr>
+        </p:nvSpPr>
+        <p:spPr/>
+        <p:txBody>
+          <a:bodyPr/>
+          <a:lstStyle/>
+          <a:p>
+            <a:r>
+              <a:rPr lang="en-US" dirty="0"/>
+              <a:t>Where?</a:t>
+            </a:r>
+          </a:p>
+          <a:p>
+            <a:pPr lvl="1"/>
+            <a:r>
+              <a:rPr lang="en-US" b="1" dirty="0"/>
+              <a:t>Go see Francesco</a:t>
+            </a:r>
+          </a:p>
+          <a:p>
+            <a:pPr lvl="1"/>
             <a:endParaRPr lang="en-US" dirty="0"/>
           </a:p>
-        </p:txBody>
-      </p:sp>
-      <p:sp>
-        <p:nvSpPr>
-          <p:cNvPr id="3" name="Segnaposto contenuto 2"/>
-          <p:cNvSpPr>
-            <a:spLocks noGrp="1"/>
-          </p:cNvSpPr>
-          <p:nvPr>
-            <p:ph idx="1"/>
-          </p:nvPr>
-        </p:nvSpPr>
-        <p:spPr/>
-        <p:txBody>
-          <a:bodyPr/>
-          <a:lstStyle/>
-          <a:p>
-            <a:r>
-              <a:rPr lang="en-US" dirty="0" smtClean="0"/>
-              <a:t>Where?</a:t>
-            </a:r>
-          </a:p>
-          <a:p>
-            <a:pPr lvl="1"/>
-            <a:r>
-              <a:rPr lang="en-US" b="1" dirty="0" smtClean="0"/>
-              <a:t>Go see Francesco</a:t>
-            </a:r>
-          </a:p>
-          <a:p>
-            <a:pPr lvl="1"/>
-            <a:endParaRPr lang="en-US" dirty="0"/>
-          </a:p>
-          <a:p>
-            <a:r>
-              <a:rPr lang="en-US" dirty="0" smtClean="0"/>
+          <a:p>
+            <a:r>
+              <a:rPr lang="en-US" dirty="0"/>
               <a:t>How?</a:t>
             </a:r>
           </a:p>
           <a:p>
             <a:pPr lvl="1"/>
             <a:r>
-              <a:rPr lang="en-US" dirty="0" smtClean="0"/>
+              <a:rPr lang="en-US" dirty="0"/>
               <a:t>Come in pairs (1 student exceptions)</a:t>
             </a:r>
           </a:p>
           <a:p>
             <a:pPr lvl="1"/>
             <a:r>
-              <a:rPr lang="en-US" dirty="0" smtClean="0"/>
+              <a:rPr lang="en-US" dirty="0"/>
               <a:t>You will be given a group number and a password</a:t>
             </a:r>
           </a:p>
           <a:p>
             <a:pPr lvl="1"/>
             <a:r>
-              <a:rPr lang="en-US" b="1" dirty="0" smtClean="0">
+              <a:rPr lang="en-US" b="1" dirty="0">
                 <a:solidFill>
                   <a:srgbClr val="FF0000"/>
                 </a:solidFill>
@@ -3318,18 +3290,13 @@
           <a:p>
             <a:pPr lvl="1"/>
             <a:r>
-              <a:rPr lang="en-US" b="1" dirty="0" smtClean="0">
+              <a:rPr lang="en-US" b="1" dirty="0">
                 <a:solidFill>
                   <a:srgbClr val="FF0000"/>
                 </a:solidFill>
               </a:rPr>
               <a:t>DO NOT LOSE</a:t>
             </a:r>
-            <a:endParaRPr lang="en-US" b="1" dirty="0">
-              <a:solidFill>
-                <a:srgbClr val="FF0000"/>
-              </a:solidFill>
-            </a:endParaRPr>
           </a:p>
         </p:txBody>
       </p:sp>
@@ -3379,10 +3346,9 @@
           <a:lstStyle/>
           <a:p>
             <a:r>
-              <a:rPr lang="en-US" dirty="0" smtClean="0"/>
+              <a:rPr lang="en-US" dirty="0"/>
               <a:t>Clone the AML Repo</a:t>
             </a:r>
-            <a:endParaRPr lang="en-US" dirty="0"/>
           </a:p>
         </p:txBody>
       </p:sp>
@@ -3404,21 +3370,21 @@
           <a:lstStyle/>
           <a:p>
             <a:r>
-              <a:rPr lang="en-US" dirty="0" smtClean="0"/>
+              <a:rPr lang="en-US" dirty="0"/>
               <a:t>Where?</a:t>
             </a:r>
           </a:p>
           <a:p>
             <a:pPr lvl="1"/>
             <a:r>
-              <a:rPr lang="en-US" dirty="0" smtClean="0"/>
+              <a:rPr lang="en-US" dirty="0"/>
               <a:t>On your machine in the laboratory</a:t>
             </a:r>
           </a:p>
           <a:p>
             <a:pPr lvl="1"/>
             <a:r>
-              <a:rPr lang="en-US" dirty="0" smtClean="0"/>
+              <a:rPr lang="en-US" dirty="0"/>
               <a:t>In your UNIX home</a:t>
             </a:r>
           </a:p>
@@ -3428,45 +3394,45 @@
           </a:p>
           <a:p>
             <a:r>
-              <a:rPr lang="en-US" dirty="0" smtClean="0"/>
+              <a:rPr lang="en-US" dirty="0"/>
               <a:t>How?</a:t>
             </a:r>
           </a:p>
           <a:p>
             <a:pPr lvl="1"/>
             <a:r>
-              <a:rPr lang="en-US" dirty="0" err="1" smtClean="0"/>
+              <a:rPr lang="en-US" dirty="0" err="1"/>
               <a:t>mkdir</a:t>
             </a:r>
             <a:r>
-              <a:rPr lang="en-US" dirty="0" smtClean="0"/>
+              <a:rPr lang="en-US" dirty="0"/>
               <a:t> work</a:t>
             </a:r>
           </a:p>
           <a:p>
             <a:pPr lvl="1"/>
             <a:r>
-              <a:rPr lang="en-US" dirty="0" smtClean="0"/>
+              <a:rPr lang="en-US" dirty="0"/>
               <a:t>cd work/</a:t>
             </a:r>
           </a:p>
           <a:p>
             <a:pPr lvl="1"/>
             <a:r>
-              <a:rPr lang="en-US" dirty="0" err="1" smtClean="0"/>
+              <a:rPr lang="en-US" dirty="0" err="1"/>
               <a:t>git</a:t>
             </a:r>
             <a:r>
-              <a:rPr lang="en-US" dirty="0" smtClean="0"/>
+              <a:rPr lang="en-US" dirty="0"/>
               <a:t> clone </a:t>
             </a:r>
             <a:r>
-              <a:rPr lang="en-US" dirty="0" smtClean="0">
+              <a:rPr lang="en-US" dirty="0">
                 <a:hlinkClick r:id="rId2"/>
               </a:rPr>
               <a:t>https://github.com/DistributedSystemsGroup/Algorithmic-Machine-Learning.git</a:t>
             </a:r>
-            <a:endParaRPr lang="en-US" dirty="0" smtClean="0"/>
+            <a:endParaRPr lang="en-US" dirty="0"/>
           </a:p>
           <a:p>
             <a:pPr lvl="1"/>
@@ -3522,10 +3488,9 @@
           <a:lstStyle/>
           <a:p>
             <a:r>
-              <a:rPr lang="en-US" dirty="0" smtClean="0"/>
+              <a:rPr lang="en-US" dirty="0"/>
               <a:t>Login to your AML platform account</a:t>
             </a:r>
-            <a:endParaRPr lang="en-US" dirty="0"/>
           </a:p>
         </p:txBody>
       </p:sp>
@@ -3547,21 +3512,21 @@
           <a:lstStyle/>
           <a:p>
             <a:r>
-              <a:rPr lang="en-US" dirty="0" smtClean="0"/>
+              <a:rPr lang="en-US" dirty="0"/>
               <a:t>Where?</a:t>
             </a:r>
           </a:p>
           <a:p>
             <a:pPr lvl="1"/>
             <a:r>
-              <a:rPr lang="en-US" dirty="0" smtClean="0"/>
+              <a:rPr lang="en-US" dirty="0"/>
               <a:t>On your machine in the laboratory</a:t>
             </a:r>
           </a:p>
           <a:p>
             <a:pPr lvl="1"/>
             <a:r>
-              <a:rPr lang="en-US" dirty="0" smtClean="0"/>
+              <a:rPr lang="en-US" dirty="0"/>
               <a:t>Open a browser</a:t>
             </a:r>
           </a:p>
@@ -3571,29 +3536,28 @@
           </a:p>
           <a:p>
             <a:r>
-              <a:rPr lang="en-US" dirty="0" smtClean="0"/>
+              <a:rPr lang="en-US" dirty="0"/>
               <a:t>How?</a:t>
             </a:r>
           </a:p>
           <a:p>
             <a:pPr lvl="1"/>
             <a:r>
-              <a:rPr lang="en-US" dirty="0" smtClean="0"/>
+              <a:rPr lang="en-US" dirty="0"/>
               <a:t>Enter the URL: </a:t>
             </a:r>
             <a:r>
-              <a:rPr lang="en-US" dirty="0" err="1" smtClean="0"/>
+              <a:rPr lang="en-US" dirty="0" err="1"/>
               <a:t>zoe.eurecom.fr</a:t>
             </a:r>
-            <a:endParaRPr lang="en-US" dirty="0" smtClean="0"/>
-          </a:p>
-          <a:p>
-            <a:pPr lvl="1"/>
-            <a:r>
-              <a:rPr lang="en-US" dirty="0" smtClean="0"/>
+            <a:endParaRPr lang="en-US" dirty="0"/>
+          </a:p>
+          <a:p>
+            <a:pPr lvl="1"/>
+            <a:r>
+              <a:rPr lang="en-US" dirty="0"/>
               <a:t>Launch your Notebook Dashboard</a:t>
             </a:r>
-            <a:endParaRPr lang="en-US" dirty="0"/>
           </a:p>
         </p:txBody>
       </p:sp>
@@ -3643,64 +3607,62 @@
           <a:lstStyle/>
           <a:p>
             <a:r>
-              <a:rPr lang="en-US" dirty="0" smtClean="0"/>
+              <a:rPr lang="en-US" dirty="0"/>
               <a:t>Upload a Notebook</a:t>
             </a:r>
+          </a:p>
+        </p:txBody>
+      </p:sp>
+      <p:sp>
+        <p:nvSpPr>
+          <p:cNvPr id="3" name="Segnaposto contenuto 2"/>
+          <p:cNvSpPr>
+            <a:spLocks noGrp="1"/>
+          </p:cNvSpPr>
+          <p:nvPr>
+            <p:ph idx="1"/>
+          </p:nvPr>
+        </p:nvSpPr>
+        <p:spPr/>
+        <p:txBody>
+          <a:bodyPr/>
+          <a:lstStyle/>
+          <a:p>
+            <a:r>
+              <a:rPr lang="en-US" dirty="0"/>
+              <a:t>Where?</a:t>
+            </a:r>
+          </a:p>
+          <a:p>
+            <a:pPr lvl="1"/>
+            <a:r>
+              <a:rPr lang="en-US" dirty="0"/>
+              <a:t>Using the Chrome browser running in your laboratory machine</a:t>
+            </a:r>
+          </a:p>
+          <a:p>
+            <a:pPr lvl="1"/>
             <a:endParaRPr lang="en-US" dirty="0"/>
           </a:p>
-        </p:txBody>
-      </p:sp>
-      <p:sp>
-        <p:nvSpPr>
-          <p:cNvPr id="3" name="Segnaposto contenuto 2"/>
-          <p:cNvSpPr>
-            <a:spLocks noGrp="1"/>
-          </p:cNvSpPr>
-          <p:nvPr>
-            <p:ph idx="1"/>
-          </p:nvPr>
-        </p:nvSpPr>
-        <p:spPr/>
-        <p:txBody>
-          <a:bodyPr/>
-          <a:lstStyle/>
-          <a:p>
-            <a:r>
-              <a:rPr lang="en-US" dirty="0" smtClean="0"/>
-              <a:t>Where?</a:t>
-            </a:r>
-          </a:p>
-          <a:p>
-            <a:pPr lvl="1"/>
-            <a:r>
-              <a:rPr lang="en-US" dirty="0" smtClean="0"/>
-              <a:t>Using the Chrome browser running in your laboratory machine</a:t>
-            </a:r>
-          </a:p>
-          <a:p>
-            <a:pPr lvl="1"/>
-            <a:endParaRPr lang="en-US" dirty="0"/>
-          </a:p>
-          <a:p>
-            <a:r>
-              <a:rPr lang="en-US" dirty="0" smtClean="0"/>
+          <a:p>
+            <a:r>
+              <a:rPr lang="en-US" dirty="0"/>
               <a:t>How?</a:t>
             </a:r>
           </a:p>
           <a:p>
             <a:pPr lvl="1"/>
             <a:r>
-              <a:rPr lang="en-US" dirty="0" smtClean="0"/>
+              <a:rPr lang="en-US" dirty="0"/>
               <a:t>Open a file-browser and point to the repository you just cloned</a:t>
             </a:r>
           </a:p>
           <a:p>
             <a:pPr lvl="1"/>
             <a:r>
-              <a:rPr lang="en-US" dirty="0" smtClean="0"/>
+              <a:rPr lang="en-US" dirty="0"/>
               <a:t>Drag and drop the [Lecture 2] file on the Notebook dashboard</a:t>
             </a:r>
-            <a:endParaRPr lang="en-US" dirty="0"/>
           </a:p>
         </p:txBody>
       </p:sp>
@@ -3750,10 +3712,9 @@
           <a:lstStyle/>
           <a:p>
             <a:r>
-              <a:rPr lang="en-US" dirty="0" smtClean="0"/>
+              <a:rPr lang="en-US" dirty="0"/>
               <a:t>Saving your work</a:t>
             </a:r>
-            <a:endParaRPr lang="en-US" dirty="0"/>
           </a:p>
         </p:txBody>
       </p:sp>
@@ -3775,7 +3736,7 @@
           <a:lstStyle/>
           <a:p>
             <a:r>
-              <a:rPr lang="en-US" b="1" dirty="0" smtClean="0">
+              <a:rPr lang="en-US" b="1" dirty="0">
                 <a:solidFill>
                   <a:srgbClr val="FF0000"/>
                 </a:solidFill>
@@ -3786,14 +3747,14 @@
           <a:p>
             <a:pPr lvl="1"/>
             <a:r>
-              <a:rPr lang="en-US" dirty="0" smtClean="0"/>
+              <a:rPr lang="en-US" dirty="0"/>
               <a:t>AML platform accounts are ephemeral</a:t>
             </a:r>
           </a:p>
           <a:p>
             <a:pPr lvl="1"/>
             <a:r>
-              <a:rPr lang="en-US" dirty="0" smtClean="0"/>
+              <a:rPr lang="en-US" dirty="0"/>
               <a:t>Working on Notebooks in the platform makes them ephemeral too</a:t>
             </a:r>
           </a:p>
@@ -3802,47 +3763,46 @@
           </a:p>
           <a:p>
             <a:r>
-              <a:rPr lang="en-US" dirty="0" smtClean="0"/>
+              <a:rPr lang="en-US" dirty="0"/>
               <a:t>How do you save?</a:t>
             </a:r>
           </a:p>
           <a:p>
             <a:pPr lvl="1"/>
             <a:r>
-              <a:rPr lang="en-US" dirty="0" smtClean="0"/>
+              <a:rPr lang="en-US" dirty="0"/>
               <a:t>File -&gt; Download as -&gt; </a:t>
             </a:r>
             <a:r>
-              <a:rPr lang="en-US" dirty="0" err="1" smtClean="0"/>
+              <a:rPr lang="en-US" dirty="0" err="1"/>
               <a:t>Ipython</a:t>
             </a:r>
             <a:r>
-              <a:rPr lang="en-US" dirty="0" smtClean="0"/>
+              <a:rPr lang="en-US" dirty="0"/>
               <a:t> Notebook</a:t>
             </a:r>
           </a:p>
           <a:p>
             <a:pPr lvl="1"/>
             <a:r>
-              <a:rPr lang="en-US" dirty="0" smtClean="0"/>
+              <a:rPr lang="en-US" dirty="0"/>
               <a:t>This will save a .</a:t>
             </a:r>
             <a:r>
-              <a:rPr lang="en-US" dirty="0" err="1" smtClean="0"/>
+              <a:rPr lang="en-US" dirty="0" err="1"/>
               <a:t>ipynb</a:t>
             </a:r>
             <a:r>
-              <a:rPr lang="en-US" dirty="0" smtClean="0"/>
+              <a:rPr lang="en-US" dirty="0"/>
               <a:t> file locally, in the laboratory machine you are using</a:t>
             </a:r>
           </a:p>
           <a:p>
             <a:pPr lvl="1"/>
             <a:r>
-              <a:rPr lang="en-US" dirty="0" smtClean="0"/>
+              <a:rPr lang="en-US" dirty="0"/>
               <a:t>Rename the file and move it in the directory containing the repository you just cloned</a:t>
             </a:r>
-            <a:endParaRPr lang="en-US" dirty="0"/>
           </a:p>
         </p:txBody>
       </p:sp>
@@ -3892,10 +3852,9 @@
           <a:lstStyle/>
           <a:p>
             <a:r>
-              <a:rPr lang="en-US" dirty="0" smtClean="0"/>
+              <a:rPr lang="en-US" dirty="0"/>
               <a:t>How to answer questions</a:t>
             </a:r>
-            <a:endParaRPr lang="en-US" dirty="0"/>
           </a:p>
         </p:txBody>
       </p:sp>
@@ -3917,65 +3876,65 @@
           <a:lstStyle/>
           <a:p>
             <a:r>
-              <a:rPr lang="en-US" dirty="0" smtClean="0"/>
+              <a:rPr lang="en-US" dirty="0"/>
               <a:t>Option 1:</a:t>
             </a:r>
           </a:p>
           <a:p>
             <a:pPr lvl="1"/>
             <a:r>
-              <a:rPr lang="en-US" dirty="0" smtClean="0"/>
+              <a:rPr lang="en-US" dirty="0"/>
               <a:t>Position your cursor in the cell below the question</a:t>
             </a:r>
           </a:p>
           <a:p>
             <a:pPr lvl="1"/>
             <a:r>
-              <a:rPr lang="en-US" dirty="0" smtClean="0"/>
+              <a:rPr lang="en-US" dirty="0"/>
               <a:t>Change it from “markdown” to “code”</a:t>
             </a:r>
           </a:p>
           <a:p>
             <a:pPr lvl="1"/>
             <a:r>
-              <a:rPr lang="en-US" dirty="0" smtClean="0"/>
+              <a:rPr lang="en-US" dirty="0"/>
               <a:t>Edit the code:</a:t>
             </a:r>
           </a:p>
           <a:p>
             <a:pPr lvl="2"/>
             <a:r>
-              <a:rPr lang="en-US" dirty="0" smtClean="0"/>
+              <a:rPr lang="en-US" dirty="0"/>
               <a:t>Remove the: ```python [first line of the cell]</a:t>
             </a:r>
           </a:p>
           <a:p>
             <a:pPr lvl="2"/>
             <a:r>
-              <a:rPr lang="en-US" dirty="0" smtClean="0"/>
+              <a:rPr lang="en-US" dirty="0"/>
               <a:t>Remove the: ``` [last line of the cell]</a:t>
             </a:r>
           </a:p>
           <a:p>
             <a:pPr lvl="2"/>
             <a:r>
-              <a:rPr lang="en-US" dirty="0" smtClean="0"/>
+              <a:rPr lang="en-US" dirty="0"/>
               <a:t>Edit your code</a:t>
             </a:r>
           </a:p>
           <a:p>
             <a:pPr lvl="2"/>
             <a:r>
-              <a:rPr lang="en-US" dirty="0" smtClean="0"/>
+              <a:rPr lang="en-US" dirty="0"/>
               <a:t>Run the cell</a:t>
             </a:r>
           </a:p>
           <a:p>
-            <a:endParaRPr lang="en-US" dirty="0" smtClean="0"/>
-          </a:p>
-          <a:p>
-            <a:r>
-              <a:rPr lang="en-US" dirty="0" smtClean="0"/>
+            <a:endParaRPr lang="en-US" dirty="0"/>
+          </a:p>
+          <a:p>
+            <a:r>
+              <a:rPr lang="en-US" dirty="0"/>
               <a:t>Option 2:</a:t>
             </a:r>
           </a:p>
@@ -3983,34 +3942,29 @@
             <a:pPr lvl="1"/>
             <a:r>
               <a:rPr lang="en-US" dirty="0"/>
-              <a:t>Position your cursor in the cell below the </a:t>
-            </a:r>
-            <a:r>
-              <a:rPr lang="en-US" dirty="0" smtClean="0"/>
-              <a:t>question</a:t>
-            </a:r>
-          </a:p>
-          <a:p>
-            <a:pPr lvl="1"/>
-            <a:r>
-              <a:rPr lang="en-US" dirty="0" smtClean="0"/>
+              <a:t>Position your cursor in the cell below the question</a:t>
+            </a:r>
+          </a:p>
+          <a:p>
+            <a:pPr lvl="1"/>
+            <a:r>
+              <a:rPr lang="en-US" dirty="0"/>
               <a:t>Create a new cell below (by default it is in “code” mode)</a:t>
             </a:r>
           </a:p>
           <a:p>
             <a:pPr lvl="1"/>
             <a:r>
-              <a:rPr lang="en-US" dirty="0" smtClean="0"/>
+              <a:rPr lang="en-US" dirty="0"/>
               <a:t>Edit the cell with your own code</a:t>
             </a:r>
           </a:p>
           <a:p>
             <a:pPr lvl="1"/>
             <a:r>
-              <a:rPr lang="en-US" dirty="0" smtClean="0"/>
+              <a:rPr lang="en-US" dirty="0"/>
               <a:t>Run the cell</a:t>
             </a:r>
-            <a:endParaRPr lang="en-US" dirty="0"/>
           </a:p>
           <a:p>
             <a:pPr lvl="1"/>
@@ -4064,10 +4018,9 @@
           <a:lstStyle/>
           <a:p>
             <a:r>
-              <a:rPr lang="en-US" dirty="0" smtClean="0"/>
+              <a:rPr lang="en-US" dirty="0"/>
               <a:t>Submitting your work</a:t>
             </a:r>
-            <a:endParaRPr lang="en-US" dirty="0"/>
           </a:p>
         </p:txBody>
       </p:sp>
@@ -4081,7 +4034,9 @@
             <p:ph idx="1"/>
           </p:nvPr>
         </p:nvSpPr>
-        <p:spPr/>
+        <p:spPr>
+          <a:noFill/>
+        </p:spPr>
         <p:txBody>
           <a:bodyPr>
             <a:normAutofit fontScale="85000" lnSpcReduction="20000"/>
@@ -4089,7 +4044,7 @@
           <a:lstStyle/>
           <a:p>
             <a:r>
-              <a:rPr lang="en-US" dirty="0" smtClean="0"/>
+              <a:rPr lang="en-US" dirty="0"/>
               <a:t>Similarly to save, download your notebook as an HTML page</a:t>
             </a:r>
           </a:p>
@@ -4098,46 +4053,51 @@
           </a:p>
           <a:p>
             <a:r>
-              <a:rPr lang="en-US" dirty="0" smtClean="0"/>
+              <a:rPr lang="en-US" dirty="0">
+                <a:solidFill>
+                  <a:srgbClr val="FF0000"/>
+                </a:solidFill>
+              </a:rPr>
               <a:t>Send the HTML page to:</a:t>
             </a:r>
           </a:p>
           <a:p>
             <a:pPr lvl="1"/>
             <a:r>
-              <a:rPr lang="en-US" smtClean="0">
+              <a:rPr lang="en-US" dirty="0">
+                <a:solidFill>
+                  <a:srgbClr val="FF0000"/>
+                </a:solidFill>
                 <a:hlinkClick r:id="rId2"/>
               </a:rPr>
-              <a:t>e</a:t>
-            </a:r>
-            <a:r>
-              <a:rPr lang="en-US" smtClean="0">
-                <a:hlinkClick r:id="rId2"/>
+              <a:t>eurecom.aml@gmail.com</a:t>
+            </a:r>
+            <a:endParaRPr lang="en-US" dirty="0">
+              <a:solidFill>
+                <a:srgbClr val="FF0000"/>
+              </a:solidFill>
+            </a:endParaRPr>
+          </a:p>
+          <a:p>
+            <a:pPr lvl="1"/>
+            <a:r>
+              <a:rPr lang="en-US" dirty="0">
+                <a:solidFill>
+                  <a:srgbClr val="FF0000"/>
+                </a:solidFill>
               </a:rPr>
-              <a:t>urecom.aml@gmail.com</a:t>
-            </a:r>
-            <a:endParaRPr lang="en-US" dirty="0" smtClean="0"/>
-          </a:p>
-          <a:p>
-            <a:pPr lvl="1"/>
-            <a:r>
-              <a:rPr lang="en-US" dirty="0" smtClean="0"/>
               <a:t>Subject: AML – LAB [x]</a:t>
             </a:r>
           </a:p>
           <a:p>
             <a:pPr lvl="1"/>
             <a:r>
-              <a:rPr lang="en-US" dirty="0" smtClean="0"/>
-              <a:t>For example: if you are working on </a:t>
-            </a:r>
-            <a:r>
-              <a:rPr lang="en-US" dirty="0"/>
-              <a:t>the </a:t>
-            </a:r>
-            <a:r>
-              <a:rPr lang="en-US" dirty="0" smtClean="0"/>
-              <a:t>notebook: </a:t>
+              <a:rPr lang="en-US" dirty="0">
+                <a:solidFill>
+                  <a:srgbClr val="FF0000"/>
+                </a:solidFill>
+              </a:rPr>
+              <a:t>For example: if you are working on the notebook: </a:t>
             </a:r>
           </a:p>
           <a:p>
@@ -4145,19 +4105,27 @@
               <a:buNone/>
             </a:pPr>
             <a:r>
-              <a:rPr lang="en-US" dirty="0"/>
-              <a:t>“[Lecture 3+4] Recommender </a:t>
-            </a:r>
-            <a:r>
-              <a:rPr lang="en-US" dirty="0" smtClean="0"/>
-              <a:t>algorithm … .</a:t>
-            </a:r>
-            <a:r>
-              <a:rPr lang="en-US" dirty="0" err="1" smtClean="0"/>
+              <a:rPr lang="en-US" dirty="0">
+                <a:solidFill>
+                  <a:srgbClr val="FF0000"/>
+                </a:solidFill>
+              </a:rPr>
+              <a:t>“[Lecture 3+4] Recommender algorithm … .</a:t>
+            </a:r>
+            <a:r>
+              <a:rPr lang="en-US" dirty="0" err="1">
+                <a:solidFill>
+                  <a:srgbClr val="FF0000"/>
+                </a:solidFill>
+              </a:rPr>
               <a:t>ipynb</a:t>
             </a:r>
             <a:r>
-              <a:rPr lang="en-US" dirty="0" smtClean="0"/>
+              <a:rPr lang="en-US" dirty="0">
+                <a:solidFill>
+                  <a:srgbClr val="FF0000"/>
+                </a:solidFill>
+              </a:rPr>
               <a:t>”</a:t>
             </a:r>
           </a:p>
@@ -4166,18 +4134,13 @@
               <a:buNone/>
             </a:pPr>
             <a:r>
-              <a:rPr lang="en-US" dirty="0" smtClean="0"/>
-              <a:t>then your email subject should be: “AML </a:t>
-            </a:r>
-            <a:r>
-              <a:rPr lang="en-US" dirty="0"/>
-              <a:t>– LAB </a:t>
-            </a:r>
-            <a:r>
-              <a:rPr lang="en-US" dirty="0" smtClean="0"/>
-              <a:t>[3+4]”</a:t>
-            </a:r>
-            <a:endParaRPr lang="en-US" dirty="0"/>
+              <a:rPr lang="en-US" dirty="0">
+                <a:solidFill>
+                  <a:srgbClr val="FF0000"/>
+                </a:solidFill>
+              </a:rPr>
+              <a:t>then your email subject should be: “AML – LAB [3+4]”</a:t>
+            </a:r>
           </a:p>
           <a:p>
             <a:pPr marL="457200" lvl="1" indent="0">
@@ -4187,10 +4150,9 @@
           </a:p>
           <a:p>
             <a:r>
-              <a:rPr lang="en-US" dirty="0" smtClean="0"/>
+              <a:rPr lang="en-US" dirty="0"/>
               <a:t>Failure to comply to the format =&gt; your work will not be evaluated</a:t>
             </a:r>
-            <a:endParaRPr lang="en-US" dirty="0"/>
           </a:p>
         </p:txBody>
       </p:sp>
@@ -4240,58 +4202,56 @@
           <a:lstStyle/>
           <a:p>
             <a:r>
-              <a:rPr lang="en-US" dirty="0" smtClean="0"/>
+              <a:rPr lang="en-US" dirty="0"/>
               <a:t>Advanced</a:t>
             </a:r>
+          </a:p>
+        </p:txBody>
+      </p:sp>
+      <p:sp>
+        <p:nvSpPr>
+          <p:cNvPr id="3" name="Segnaposto contenuto 2"/>
+          <p:cNvSpPr>
+            <a:spLocks noGrp="1"/>
+          </p:cNvSpPr>
+          <p:nvPr>
+            <p:ph idx="1"/>
+          </p:nvPr>
+        </p:nvSpPr>
+        <p:spPr/>
+        <p:txBody>
+          <a:bodyPr/>
+          <a:lstStyle/>
+          <a:p>
+            <a:r>
+              <a:rPr lang="en-US" dirty="0"/>
+              <a:t>Use your own </a:t>
+            </a:r>
+            <a:r>
+              <a:rPr lang="en-US" dirty="0" err="1"/>
+              <a:t>GitHub</a:t>
+            </a:r>
+            <a:r>
+              <a:rPr lang="en-US" dirty="0"/>
+              <a:t> (or </a:t>
+            </a:r>
+            <a:r>
+              <a:rPr lang="en-US" dirty="0" err="1"/>
+              <a:t>GitLab</a:t>
+            </a:r>
+            <a:r>
+              <a:rPr lang="en-US" dirty="0"/>
+              <a:t>) account</a:t>
+            </a:r>
+          </a:p>
+          <a:p>
             <a:endParaRPr lang="en-US" dirty="0"/>
           </a:p>
-        </p:txBody>
-      </p:sp>
-      <p:sp>
-        <p:nvSpPr>
-          <p:cNvPr id="3" name="Segnaposto contenuto 2"/>
-          <p:cNvSpPr>
-            <a:spLocks noGrp="1"/>
-          </p:cNvSpPr>
-          <p:nvPr>
-            <p:ph idx="1"/>
-          </p:nvPr>
-        </p:nvSpPr>
-        <p:spPr/>
-        <p:txBody>
-          <a:bodyPr/>
-          <a:lstStyle/>
-          <a:p>
-            <a:r>
-              <a:rPr lang="en-US" dirty="0" smtClean="0"/>
-              <a:t>Use your own </a:t>
-            </a:r>
-            <a:r>
-              <a:rPr lang="en-US" dirty="0" err="1" smtClean="0"/>
-              <a:t>GitHub</a:t>
-            </a:r>
-            <a:r>
-              <a:rPr lang="en-US" dirty="0" smtClean="0"/>
-              <a:t> (or </a:t>
-            </a:r>
-            <a:r>
-              <a:rPr lang="en-US" dirty="0" err="1" smtClean="0"/>
-              <a:t>GitLab</a:t>
-            </a:r>
-            <a:r>
-              <a:rPr lang="en-US" dirty="0" smtClean="0"/>
-              <a:t>) account</a:t>
-            </a:r>
-          </a:p>
-          <a:p>
-            <a:endParaRPr lang="en-US" dirty="0"/>
-          </a:p>
-          <a:p>
-            <a:r>
-              <a:rPr lang="en-US" dirty="0" smtClean="0"/>
+          <a:p>
+            <a:r>
+              <a:rPr lang="en-US" dirty="0"/>
               <a:t>Regularly push your work to your repository</a:t>
             </a:r>
-            <a:endParaRPr lang="en-US" dirty="0"/>
           </a:p>
         </p:txBody>
       </p:sp>
